--- a/static/Course_Modularization/Markov models/Slides/MarkovModelSlides.pptx
+++ b/static/Course_Modularization/Markov models/Slides/MarkovModelSlides.pptx
@@ -220,7 +220,7 @@
           <a:p>
             <a:fld id="{80022054-F6B9-B04E-9F80-BE6C2BED9348}" type="datetimeFigureOut">
               <a:rPr lang="en-US" smtClean="0"/>
-              <a:t>7/20/2020</a:t>
+              <a:t>2022-08-29</a:t>
             </a:fld>
             <a:endParaRPr lang="en-US"/>
           </a:p>
@@ -3633,7 +3633,7 @@
           <a:p>
             <a:fld id="{DD3575FE-2CC2-2845-A91B-203C440E7198}" type="datetimeFigureOut">
               <a:rPr lang="en-US" smtClean="0"/>
-              <a:t>7/20/2020</a:t>
+              <a:t>2022-08-29</a:t>
             </a:fld>
             <a:endParaRPr lang="en-US"/>
           </a:p>
@@ -3966,7 +3966,7 @@
           <a:p>
             <a:fld id="{DD3575FE-2CC2-2845-A91B-203C440E7198}" type="datetimeFigureOut">
               <a:rPr lang="en-US" smtClean="0"/>
-              <a:t>7/20/2020</a:t>
+              <a:t>2022-08-29</a:t>
             </a:fld>
             <a:endParaRPr lang="en-US"/>
           </a:p>
@@ -4150,7 +4150,7 @@
           <a:p>
             <a:fld id="{DD3575FE-2CC2-2845-A91B-203C440E7198}" type="datetimeFigureOut">
               <a:rPr lang="en-US" smtClean="0"/>
-              <a:t>7/20/2020</a:t>
+              <a:t>2022-08-29</a:t>
             </a:fld>
             <a:endParaRPr lang="en-US"/>
           </a:p>
@@ -4340,7 +4340,7 @@
           <a:p>
             <a:fld id="{DD3575FE-2CC2-2845-A91B-203C440E7198}" type="datetimeFigureOut">
               <a:rPr lang="en-US" smtClean="0"/>
-              <a:t>7/20/2020</a:t>
+              <a:t>2022-08-29</a:t>
             </a:fld>
             <a:endParaRPr lang="en-US"/>
           </a:p>
@@ -4492,7 +4492,7 @@
           <a:p>
             <a:fld id="{DD3575FE-2CC2-2845-A91B-203C440E7198}" type="datetimeFigureOut">
               <a:rPr lang="en-US" smtClean="0"/>
-              <a:t>7/20/2020</a:t>
+              <a:t>2022-08-29</a:t>
             </a:fld>
             <a:endParaRPr lang="en-US"/>
           </a:p>
@@ -5717,7 +5717,7 @@
           <a:p>
             <a:fld id="{DD3575FE-2CC2-2845-A91B-203C440E7198}" type="datetimeFigureOut">
               <a:rPr lang="en-US" smtClean="0"/>
-              <a:t>7/20/2020</a:t>
+              <a:t>2022-08-29</a:t>
             </a:fld>
             <a:endParaRPr lang="en-US"/>
           </a:p>
@@ -5755,7 +5755,7 @@
           <a:noFill/>
           <a:extLst>
             <a:ext uri="{909E8E84-426E-40dd-AFC4-6F175D3DCCD1}">
-              <a14:hiddenFill xmlns="" xmlns:a14="http://schemas.microsoft.com/office/drawing/2010/main">
+              <a14:hiddenFill xmlns:a14="http://schemas.microsoft.com/office/drawing/2010/main" xmlns="">
                 <a:solidFill>
                   <a:srgbClr val="FFFFFF"/>
                 </a:solidFill>
@@ -5796,7 +5796,7 @@
           <a:noFill/>
           <a:extLst>
             <a:ext uri="{909E8E84-426E-40dd-AFC4-6F175D3DCCD1}">
-              <a14:hiddenFill xmlns="" xmlns:a14="http://schemas.microsoft.com/office/drawing/2010/main">
+              <a14:hiddenFill xmlns:a14="http://schemas.microsoft.com/office/drawing/2010/main" xmlns="">
                 <a:solidFill>
                   <a:srgbClr val="FFFFFF"/>
                 </a:solidFill>
@@ -7405,7 +7405,7 @@
           <a:noFill/>
           <a:extLst>
             <a:ext uri="{909E8E84-426E-40dd-AFC4-6F175D3DCCD1}">
-              <a14:hiddenFill xmlns="" xmlns:a14="http://schemas.microsoft.com/office/drawing/2010/main">
+              <a14:hiddenFill xmlns:a14="http://schemas.microsoft.com/office/drawing/2010/main" xmlns="">
                 <a:solidFill>
                   <a:srgbClr val="FFFFFF"/>
                 </a:solidFill>
@@ -7444,7 +7444,7 @@
           <a:noFill/>
           <a:extLst>
             <a:ext uri="{909E8E84-426E-40dd-AFC4-6F175D3DCCD1}">
-              <a14:hiddenFill xmlns="" xmlns:a14="http://schemas.microsoft.com/office/drawing/2010/main">
+              <a14:hiddenFill xmlns:a14="http://schemas.microsoft.com/office/drawing/2010/main" xmlns="">
                 <a:solidFill>
                   <a:srgbClr val="FFFFFF"/>
                 </a:solidFill>
@@ -7539,7 +7539,7 @@
           <a:noFill/>
           <a:extLst>
             <a:ext uri="{909E8E84-426E-40dd-AFC4-6F175D3DCCD1}">
-              <a14:hiddenFill xmlns="" xmlns:a14="http://schemas.microsoft.com/office/drawing/2010/main">
+              <a14:hiddenFill xmlns:a14="http://schemas.microsoft.com/office/drawing/2010/main" xmlns="">
                 <a:solidFill>
                   <a:srgbClr val="FFFFFF"/>
                 </a:solidFill>
@@ -7580,7 +7580,7 @@
           <a:noFill/>
           <a:extLst>
             <a:ext uri="{909E8E84-426E-40dd-AFC4-6F175D3DCCD1}">
-              <a14:hiddenFill xmlns="" xmlns:a14="http://schemas.microsoft.com/office/drawing/2010/main">
+              <a14:hiddenFill xmlns:a14="http://schemas.microsoft.com/office/drawing/2010/main" xmlns="">
                 <a:solidFill>
                   <a:srgbClr val="FFFFFF"/>
                 </a:solidFill>
@@ -7625,14 +7625,14 @@
           <a:effectLst/>
           <a:extLst>
             <a:ext uri="{909E8E84-426E-40dd-AFC4-6F175D3DCCD1}">
-              <a14:hiddenFill xmlns="" xmlns:a14="http://schemas.microsoft.com/office/drawing/2010/main">
+              <a14:hiddenFill xmlns:a14="http://schemas.microsoft.com/office/drawing/2010/main" xmlns="">
                 <a:solidFill>
                   <a:schemeClr val="accent1"/>
                 </a:solidFill>
               </a14:hiddenFill>
             </a:ext>
             <a:ext uri="{91240B29-F687-4f45-9708-019B960494DF}">
-              <a14:hiddenLine xmlns="" xmlns:a14="http://schemas.microsoft.com/office/drawing/2010/main" w="9525">
+              <a14:hiddenLine xmlns:a14="http://schemas.microsoft.com/office/drawing/2010/main" xmlns="" w="9525">
                 <a:solidFill>
                   <a:schemeClr val="tx1"/>
                 </a:solidFill>
@@ -7642,7 +7642,7 @@
               </a14:hiddenLine>
             </a:ext>
             <a:ext uri="{AF507438-7753-43e0-B8FC-AC1667EBCBE1}">
-              <a14:hiddenEffects xmlns="" xmlns:a14="http://schemas.microsoft.com/office/drawing/2010/main">
+              <a14:hiddenEffects xmlns:a14="http://schemas.microsoft.com/office/drawing/2010/main" xmlns="">
                 <a:effectLst>
                   <a:outerShdw dist="35921" dir="2700000" algn="ctr" rotWithShape="0">
                     <a:schemeClr val="bg2"/>
@@ -7689,14 +7689,14 @@
           <a:effectLst/>
           <a:extLst>
             <a:ext uri="{909E8E84-426E-40dd-AFC4-6F175D3DCCD1}">
-              <a14:hiddenFill xmlns="" xmlns:a14="http://schemas.microsoft.com/office/drawing/2010/main">
+              <a14:hiddenFill xmlns:a14="http://schemas.microsoft.com/office/drawing/2010/main" xmlns="">
                 <a:solidFill>
                   <a:schemeClr val="accent1"/>
                 </a:solidFill>
               </a14:hiddenFill>
             </a:ext>
             <a:ext uri="{91240B29-F687-4f45-9708-019B960494DF}">
-              <a14:hiddenLine xmlns="" xmlns:a14="http://schemas.microsoft.com/office/drawing/2010/main" w="9525">
+              <a14:hiddenLine xmlns:a14="http://schemas.microsoft.com/office/drawing/2010/main" xmlns="" w="9525">
                 <a:solidFill>
                   <a:schemeClr val="tx1"/>
                 </a:solidFill>
@@ -7706,7 +7706,7 @@
               </a14:hiddenLine>
             </a:ext>
             <a:ext uri="{AF507438-7753-43e0-B8FC-AC1667EBCBE1}">
-              <a14:hiddenEffects xmlns="" xmlns:a14="http://schemas.microsoft.com/office/drawing/2010/main">
+              <a14:hiddenEffects xmlns:a14="http://schemas.microsoft.com/office/drawing/2010/main" xmlns="">
                 <a:effectLst>
                   <a:outerShdw dist="35921" dir="2700000" algn="ctr" rotWithShape="0">
                     <a:schemeClr val="bg2"/>
@@ -8126,7 +8126,7 @@
           <a:noFill/>
           <a:extLst>
             <a:ext uri="{909E8E84-426E-40dd-AFC4-6F175D3DCCD1}">
-              <a14:hiddenFill xmlns="" xmlns:a14="http://schemas.microsoft.com/office/drawing/2010/main">
+              <a14:hiddenFill xmlns:a14="http://schemas.microsoft.com/office/drawing/2010/main" xmlns="">
                 <a:solidFill>
                   <a:srgbClr val="FFFFFF"/>
                 </a:solidFill>
@@ -8165,7 +8165,7 @@
           <a:noFill/>
           <a:extLst>
             <a:ext uri="{909E8E84-426E-40dd-AFC4-6F175D3DCCD1}">
-              <a14:hiddenFill xmlns="" xmlns:a14="http://schemas.microsoft.com/office/drawing/2010/main">
+              <a14:hiddenFill xmlns:a14="http://schemas.microsoft.com/office/drawing/2010/main" xmlns="">
                 <a:solidFill>
                   <a:srgbClr val="FFFFFF"/>
                 </a:solidFill>
@@ -8387,7 +8387,7 @@
           <a:noFill/>
           <a:extLst>
             <a:ext uri="{909E8E84-426E-40dd-AFC4-6F175D3DCCD1}">
-              <a14:hiddenFill xmlns="" xmlns:a14="http://schemas.microsoft.com/office/drawing/2010/main">
+              <a14:hiddenFill xmlns:a14="http://schemas.microsoft.com/office/drawing/2010/main" xmlns="">
                 <a:solidFill>
                   <a:srgbClr val="FFFFFF"/>
                 </a:solidFill>
@@ -8434,7 +8434,7 @@
           <a:noFill/>
           <a:extLst>
             <a:ext uri="{909E8E84-426E-40dd-AFC4-6F175D3DCCD1}">
-              <a14:hiddenFill xmlns="" xmlns:a14="http://schemas.microsoft.com/office/drawing/2010/main">
+              <a14:hiddenFill xmlns:a14="http://schemas.microsoft.com/office/drawing/2010/main" xmlns="">
                 <a:solidFill>
                   <a:srgbClr val="FFFFFF"/>
                 </a:solidFill>
@@ -8485,14 +8485,14 @@
           <a:effectLst/>
           <a:extLst>
             <a:ext uri="{909E8E84-426E-40dd-AFC4-6F175D3DCCD1}">
-              <a14:hiddenFill xmlns="" xmlns:a14="http://schemas.microsoft.com/office/drawing/2010/main">
+              <a14:hiddenFill xmlns:a14="http://schemas.microsoft.com/office/drawing/2010/main" xmlns="">
                 <a:solidFill>
                   <a:schemeClr val="accent1"/>
                 </a:solidFill>
               </a14:hiddenFill>
             </a:ext>
             <a:ext uri="{91240B29-F687-4f45-9708-019B960494DF}">
-              <a14:hiddenLine xmlns="" xmlns:a14="http://schemas.microsoft.com/office/drawing/2010/main" w="9525">
+              <a14:hiddenLine xmlns:a14="http://schemas.microsoft.com/office/drawing/2010/main" xmlns="" w="9525">
                 <a:solidFill>
                   <a:schemeClr val="tx1"/>
                 </a:solidFill>
@@ -8502,7 +8502,7 @@
               </a14:hiddenLine>
             </a:ext>
             <a:ext uri="{AF507438-7753-43e0-B8FC-AC1667EBCBE1}">
-              <a14:hiddenEffects xmlns="" xmlns:a14="http://schemas.microsoft.com/office/drawing/2010/main">
+              <a14:hiddenEffects xmlns:a14="http://schemas.microsoft.com/office/drawing/2010/main" xmlns="">
                 <a:effectLst>
                   <a:outerShdw dist="35921" dir="2700000" algn="ctr" rotWithShape="0">
                     <a:schemeClr val="bg2"/>
@@ -8555,14 +8555,14 @@
           <a:effectLst/>
           <a:extLst>
             <a:ext uri="{909E8E84-426E-40dd-AFC4-6F175D3DCCD1}">
-              <a14:hiddenFill xmlns="" xmlns:a14="http://schemas.microsoft.com/office/drawing/2010/main">
+              <a14:hiddenFill xmlns:a14="http://schemas.microsoft.com/office/drawing/2010/main" xmlns="">
                 <a:solidFill>
                   <a:schemeClr val="accent1"/>
                 </a:solidFill>
               </a14:hiddenFill>
             </a:ext>
             <a:ext uri="{91240B29-F687-4f45-9708-019B960494DF}">
-              <a14:hiddenLine xmlns="" xmlns:a14="http://schemas.microsoft.com/office/drawing/2010/main" w="9525">
+              <a14:hiddenLine xmlns:a14="http://schemas.microsoft.com/office/drawing/2010/main" xmlns="" w="9525">
                 <a:solidFill>
                   <a:schemeClr val="tx1"/>
                 </a:solidFill>
@@ -8572,7 +8572,7 @@
               </a14:hiddenLine>
             </a:ext>
             <a:ext uri="{AF507438-7753-43e0-B8FC-AC1667EBCBE1}">
-              <a14:hiddenEffects xmlns="" xmlns:a14="http://schemas.microsoft.com/office/drawing/2010/main">
+              <a14:hiddenEffects xmlns:a14="http://schemas.microsoft.com/office/drawing/2010/main" xmlns="">
                 <a:effectLst>
                   <a:outerShdw dist="35921" dir="2700000" algn="ctr" rotWithShape="0">
                     <a:schemeClr val="bg2"/>
@@ -8748,7 +8748,7 @@
           <a:p>
             <a:fld id="{DD3575FE-2CC2-2845-A91B-203C440E7198}" type="datetimeFigureOut">
               <a:rPr lang="en-US" smtClean="0"/>
-              <a:t>7/20/2020</a:t>
+              <a:t>2022-08-29</a:t>
             </a:fld>
             <a:endParaRPr lang="en-US"/>
           </a:p>
@@ -9005,7 +9005,7 @@
           <a:p>
             <a:fld id="{DD3575FE-2CC2-2845-A91B-203C440E7198}" type="datetimeFigureOut">
               <a:rPr lang="en-US" smtClean="0"/>
-              <a:t>7/20/2020</a:t>
+              <a:t>2022-08-29</a:t>
             </a:fld>
             <a:endParaRPr lang="en-US"/>
           </a:p>
@@ -9309,7 +9309,7 @@
           <a:p>
             <a:fld id="{DD3575FE-2CC2-2845-A91B-203C440E7198}" type="datetimeFigureOut">
               <a:rPr lang="en-US" smtClean="0"/>
-              <a:t>7/20/2020</a:t>
+              <a:t>2022-08-29</a:t>
             </a:fld>
             <a:endParaRPr lang="en-US"/>
           </a:p>
@@ -9758,7 +9758,7 @@
           <a:p>
             <a:fld id="{DD3575FE-2CC2-2845-A91B-203C440E7198}" type="datetimeFigureOut">
               <a:rPr lang="en-US" smtClean="0"/>
-              <a:t>7/20/2020</a:t>
+              <a:t>2022-08-29</a:t>
             </a:fld>
             <a:endParaRPr lang="en-US"/>
           </a:p>
@@ -9892,7 +9892,7 @@
           <a:p>
             <a:fld id="{DD3575FE-2CC2-2845-A91B-203C440E7198}" type="datetimeFigureOut">
               <a:rPr lang="en-US" smtClean="0"/>
-              <a:t>7/20/2020</a:t>
+              <a:t>2022-08-29</a:t>
             </a:fld>
             <a:endParaRPr lang="en-US"/>
           </a:p>
@@ -9998,7 +9998,7 @@
           <a:p>
             <a:fld id="{DD3575FE-2CC2-2845-A91B-203C440E7198}" type="datetimeFigureOut">
               <a:rPr lang="en-US" smtClean="0"/>
-              <a:t>7/20/2020</a:t>
+              <a:t>2022-08-29</a:t>
             </a:fld>
             <a:endParaRPr lang="en-US"/>
           </a:p>
@@ -10347,7 +10347,7 @@
           <a:p>
             <a:fld id="{DD3575FE-2CC2-2845-A91B-203C440E7198}" type="datetimeFigureOut">
               <a:rPr lang="en-US" smtClean="0"/>
-              <a:t>7/20/2020</a:t>
+              <a:t>2022-08-29</a:t>
             </a:fld>
             <a:endParaRPr lang="en-US"/>
           </a:p>
@@ -10709,19 +10709,7 @@
           </a:bodyPr>
           <a:lstStyle/>
           <a:p>
-            <a:r>
-              <a:rPr lang="en-US" dirty="0"/>
-              <a:t>Decision Modeling in R workshop</a:t>
-            </a:r>
-          </a:p>
-          <a:p>
             <a:endParaRPr lang="en-US" dirty="0"/>
-          </a:p>
-          <a:p>
-            <a:r>
-              <a:rPr lang="en-US" dirty="0"/>
-              <a:t>July 2020</a:t>
-            </a:r>
           </a:p>
         </p:txBody>
       </p:sp>
